--- a/dat/stones.pptx
+++ b/dat/stones.pptx
@@ -259,7 +259,7 @@
           <a:p>
             <a:fld id="{4F6878F1-8E0A-4D48-9F52-C4395FBEC288}" type="datetimeFigureOut">
               <a:rPr kumimoji="1" lang="ja-JP" altLang="en-US" smtClean="0"/>
-              <a:t>2021/8/28</a:t>
+              <a:t>2021/9/20</a:t>
             </a:fld>
             <a:endParaRPr kumimoji="1" lang="ja-JP" altLang="en-US"/>
           </a:p>
@@ -489,7 +489,7 @@
           <a:p>
             <a:fld id="{4F6878F1-8E0A-4D48-9F52-C4395FBEC288}" type="datetimeFigureOut">
               <a:rPr kumimoji="1" lang="ja-JP" altLang="en-US" smtClean="0"/>
-              <a:t>2021/8/28</a:t>
+              <a:t>2021/9/20</a:t>
             </a:fld>
             <a:endParaRPr kumimoji="1" lang="ja-JP" altLang="en-US"/>
           </a:p>
@@ -729,7 +729,7 @@
           <a:p>
             <a:fld id="{4F6878F1-8E0A-4D48-9F52-C4395FBEC288}" type="datetimeFigureOut">
               <a:rPr kumimoji="1" lang="ja-JP" altLang="en-US" smtClean="0"/>
-              <a:t>2021/8/28</a:t>
+              <a:t>2021/9/20</a:t>
             </a:fld>
             <a:endParaRPr kumimoji="1" lang="ja-JP" altLang="en-US"/>
           </a:p>
@@ -959,7 +959,7 @@
           <a:p>
             <a:fld id="{4F6878F1-8E0A-4D48-9F52-C4395FBEC288}" type="datetimeFigureOut">
               <a:rPr kumimoji="1" lang="ja-JP" altLang="en-US" smtClean="0"/>
-              <a:t>2021/8/28</a:t>
+              <a:t>2021/9/20</a:t>
             </a:fld>
             <a:endParaRPr kumimoji="1" lang="ja-JP" altLang="en-US"/>
           </a:p>
@@ -1234,7 +1234,7 @@
           <a:p>
             <a:fld id="{4F6878F1-8E0A-4D48-9F52-C4395FBEC288}" type="datetimeFigureOut">
               <a:rPr kumimoji="1" lang="ja-JP" altLang="en-US" smtClean="0"/>
-              <a:t>2021/8/28</a:t>
+              <a:t>2021/9/20</a:t>
             </a:fld>
             <a:endParaRPr kumimoji="1" lang="ja-JP" altLang="en-US"/>
           </a:p>
@@ -1563,7 +1563,7 @@
           <a:p>
             <a:fld id="{4F6878F1-8E0A-4D48-9F52-C4395FBEC288}" type="datetimeFigureOut">
               <a:rPr kumimoji="1" lang="ja-JP" altLang="en-US" smtClean="0"/>
-              <a:t>2021/8/28</a:t>
+              <a:t>2021/9/20</a:t>
             </a:fld>
             <a:endParaRPr kumimoji="1" lang="ja-JP" altLang="en-US"/>
           </a:p>
@@ -2039,7 +2039,7 @@
           <a:p>
             <a:fld id="{4F6878F1-8E0A-4D48-9F52-C4395FBEC288}" type="datetimeFigureOut">
               <a:rPr kumimoji="1" lang="ja-JP" altLang="en-US" smtClean="0"/>
-              <a:t>2021/8/28</a:t>
+              <a:t>2021/9/20</a:t>
             </a:fld>
             <a:endParaRPr kumimoji="1" lang="ja-JP" altLang="en-US"/>
           </a:p>
@@ -2180,7 +2180,7 @@
           <a:p>
             <a:fld id="{4F6878F1-8E0A-4D48-9F52-C4395FBEC288}" type="datetimeFigureOut">
               <a:rPr kumimoji="1" lang="ja-JP" altLang="en-US" smtClean="0"/>
-              <a:t>2021/8/28</a:t>
+              <a:t>2021/9/20</a:t>
             </a:fld>
             <a:endParaRPr kumimoji="1" lang="ja-JP" altLang="en-US"/>
           </a:p>
@@ -2293,7 +2293,7 @@
           <a:p>
             <a:fld id="{4F6878F1-8E0A-4D48-9F52-C4395FBEC288}" type="datetimeFigureOut">
               <a:rPr kumimoji="1" lang="ja-JP" altLang="en-US" smtClean="0"/>
-              <a:t>2021/8/28</a:t>
+              <a:t>2021/9/20</a:t>
             </a:fld>
             <a:endParaRPr kumimoji="1" lang="ja-JP" altLang="en-US"/>
           </a:p>
@@ -2636,7 +2636,7 @@
           <a:p>
             <a:fld id="{4F6878F1-8E0A-4D48-9F52-C4395FBEC288}" type="datetimeFigureOut">
               <a:rPr kumimoji="1" lang="ja-JP" altLang="en-US" smtClean="0"/>
-              <a:t>2021/8/28</a:t>
+              <a:t>2021/9/20</a:t>
             </a:fld>
             <a:endParaRPr kumimoji="1" lang="ja-JP" altLang="en-US"/>
           </a:p>
@@ -2924,7 +2924,7 @@
           <a:p>
             <a:fld id="{4F6878F1-8E0A-4D48-9F52-C4395FBEC288}" type="datetimeFigureOut">
               <a:rPr kumimoji="1" lang="ja-JP" altLang="en-US" smtClean="0"/>
-              <a:t>2021/8/28</a:t>
+              <a:t>2021/9/20</a:t>
             </a:fld>
             <a:endParaRPr kumimoji="1" lang="ja-JP" altLang="en-US"/>
           </a:p>
@@ -3197,7 +3197,7 @@
           <a:p>
             <a:fld id="{4F6878F1-8E0A-4D48-9F52-C4395FBEC288}" type="datetimeFigureOut">
               <a:rPr kumimoji="1" lang="ja-JP" altLang="en-US" smtClean="0"/>
-              <a:t>2021/8/28</a:t>
+              <a:t>2021/9/20</a:t>
             </a:fld>
             <a:endParaRPr kumimoji="1" lang="ja-JP" altLang="en-US"/>
           </a:p>
@@ -3628,7 +3628,7 @@
         </p:nvGrpSpPr>
         <p:grpSpPr>
           <a:xfrm>
-            <a:off x="102655" y="87182"/>
+            <a:off x="642081" y="366454"/>
             <a:ext cx="576000" cy="576000"/>
             <a:chOff x="86628" y="86627"/>
             <a:chExt cx="685800" cy="685800"/>
@@ -3799,7 +3799,7 @@
         </p:nvGrpSpPr>
         <p:grpSpPr>
           <a:xfrm>
-            <a:off x="104986" y="706560"/>
+            <a:off x="1369906" y="366454"/>
             <a:ext cx="576000" cy="576000"/>
             <a:chOff x="86628" y="86627"/>
             <a:chExt cx="685800" cy="685800"/>
@@ -3973,7 +3973,7 @@
         </p:nvGrpSpPr>
         <p:grpSpPr>
           <a:xfrm>
-            <a:off x="102655" y="1352962"/>
+            <a:off x="2097731" y="366454"/>
             <a:ext cx="576000" cy="576000"/>
             <a:chOff x="86628" y="86627"/>
             <a:chExt cx="685800" cy="685800"/>
@@ -4147,7 +4147,7 @@
         </p:nvGrpSpPr>
         <p:grpSpPr>
           <a:xfrm>
-            <a:off x="86132" y="2015718"/>
+            <a:off x="2920772" y="366454"/>
             <a:ext cx="576000" cy="576000"/>
             <a:chOff x="52471" y="86627"/>
             <a:chExt cx="685800" cy="685800"/>
@@ -4321,7 +4321,7 @@
         </p:nvGrpSpPr>
         <p:grpSpPr>
           <a:xfrm>
-            <a:off x="115425" y="2678474"/>
+            <a:off x="3675553" y="366454"/>
             <a:ext cx="576000" cy="576000"/>
             <a:chOff x="52471" y="86627"/>
             <a:chExt cx="685800" cy="685800"/>
@@ -4495,7 +4495,7 @@
         </p:nvGrpSpPr>
         <p:grpSpPr>
           <a:xfrm>
-            <a:off x="115425" y="3324876"/>
+            <a:off x="4430334" y="366454"/>
             <a:ext cx="576000" cy="576000"/>
             <a:chOff x="52471" y="86627"/>
             <a:chExt cx="685800" cy="685800"/>
@@ -4655,6 +4655,78 @@
           </p:txBody>
         </p:sp>
       </p:grpSp>
+      <p:sp>
+        <p:nvSpPr>
+          <p:cNvPr id="2" name="テキスト ボックス 1">
+            <a:extLst>
+              <a:ext uri="{FF2B5EF4-FFF2-40B4-BE49-F238E27FC236}">
+                <a16:creationId xmlns:a16="http://schemas.microsoft.com/office/drawing/2014/main" id="{62FB9A85-CF51-4697-8873-7E36F74A3354}"/>
+              </a:ext>
+            </a:extLst>
+          </p:cNvPr>
+          <p:cNvSpPr txBox="1"/>
+          <p:nvPr/>
+        </p:nvSpPr>
+        <p:spPr>
+          <a:xfrm>
+            <a:off x="267743" y="146623"/>
+            <a:ext cx="10059164" cy="1015663"/>
+          </a:xfrm>
+          <a:prstGeom prst="rect">
+            <a:avLst/>
+          </a:prstGeom>
+          <a:solidFill>
+            <a:schemeClr val="bg1"/>
+          </a:solidFill>
+          <a:ln>
+            <a:solidFill>
+              <a:srgbClr val="FF0000"/>
+            </a:solidFill>
+          </a:ln>
+        </p:spPr>
+        <p:txBody>
+          <a:bodyPr wrap="none" rtlCol="0">
+            <a:spAutoFit/>
+          </a:bodyPr>
+          <a:lstStyle/>
+          <a:p>
+            <a:r>
+              <a:rPr lang="en-US" altLang="ja-JP" sz="2000" b="1" dirty="0">
+                <a:solidFill>
+                  <a:srgbClr val="FF0000"/>
+                </a:solidFill>
+                <a:effectLst/>
+                <a:latin typeface="Consolas" panose="020B0609020204030204" pitchFamily="49" charset="0"/>
+              </a:rPr>
+              <a:t>Released under the GNU General Public License version 2.</a:t>
+            </a:r>
+          </a:p>
+          <a:p>
+            <a:r>
+              <a:rPr lang="en-US" altLang="ja-JP" sz="2000" b="1" dirty="0">
+                <a:solidFill>
+                  <a:srgbClr val="FF0000"/>
+                </a:solidFill>
+                <a:effectLst/>
+                <a:latin typeface="Consolas" panose="020B0609020204030204" pitchFamily="49" charset="0"/>
+              </a:rPr>
+              <a:t>See "LISENSE" file</a:t>
+            </a:r>
+          </a:p>
+          <a:p>
+            <a:r>
+              <a:rPr lang="en-US" altLang="ja-JP" sz="2000" b="1" dirty="0">
+                <a:solidFill>
+                  <a:srgbClr val="FF0000"/>
+                </a:solidFill>
+                <a:effectLst/>
+                <a:latin typeface="Consolas" panose="020B0609020204030204" pitchFamily="49" charset="0"/>
+              </a:rPr>
+              <a:t>     or https://github.com/wwatchin/nisepuyo-brython/blob/main/LICENSE</a:t>
+            </a:r>
+          </a:p>
+        </p:txBody>
+      </p:sp>
     </p:spTree>
     <p:extLst>
       <p:ext uri="{BB962C8B-B14F-4D97-AF65-F5344CB8AC3E}">
